--- a/presentations/BSc_Final_Presentation_Sevik.pptx
+++ b/presentations/BSc_Final_Presentation_Sevik.pptx
@@ -223,7 +223,7 @@
             <a:pPr algn="l"/>
             <a:fld id="{741F16E5-5C90-44CC-97B1-737EAEE5390E}" type="datetime1">
               <a:rPr lang="de-DE" sz="800" smtClean="0"/>
-              <a:t>27.06.2022</a:t>
+              <a:t>06.02.2023</a:t>
             </a:fld>
             <a:endParaRPr lang="en-US" sz="800"/>
           </a:p>
@@ -294,7 +294,7 @@
             <a:fld id="{EE9A79A6-2547-4C8F-B0ED-316280A1A122}" type="slidenum">
               <a:rPr lang="en-US" sz="800" smtClean="0"/>
               <a:pPr algn="l"/>
-              <a:t>‹#›</a:t>
+              <a:t>‹Nr.›</a:t>
             </a:fld>
             <a:endParaRPr lang="en-US" sz="800"/>
           </a:p>
@@ -418,7 +418,7 @@
           <a:p>
             <a:fld id="{99620153-02A4-412D-ADAC-CCF3CBF9D386}" type="datetime1">
               <a:rPr lang="de-DE" smtClean="0"/>
-              <a:t>27.06.2022</a:t>
+              <a:t>06.02.2023</a:t>
             </a:fld>
             <a:endParaRPr lang="en-US"/>
           </a:p>
@@ -582,7 +582,7 @@
             <a:fld id="{05DD1DF0-DD4E-4B0C-B0FD-D16D9D2A9750}" type="slidenum">
               <a:rPr lang="en-US" smtClean="0"/>
               <a:pPr/>
-              <a:t>‹#›</a:t>
+              <a:t>‹Nr.›</a:t>
             </a:fld>
             <a:endParaRPr lang="en-US" dirty="0"/>
           </a:p>
@@ -1357,7 +1357,7 @@
           <a:p>
             <a:fld id="{70E6BEB2-48C2-4EE1-9E05-F28F3299BCF4}" type="datetime1">
               <a:rPr lang="en-GB" smtClean="0"/>
-              <a:t>27/06/2022</a:t>
+              <a:t>06/02/2023</a:t>
             </a:fld>
             <a:endParaRPr lang="de-DE" dirty="0"/>
           </a:p>
@@ -1403,7 +1403,7 @@
           <a:p>
             <a:fld id="{9E82CC3C-1DC0-4FDA-9590-6CC506AB67F8}" type="slidenum">
               <a:rPr lang="de-DE" smtClean="0"/>
-              <a:t>‹#›</a:t>
+              <a:t>‹Nr.›</a:t>
             </a:fld>
             <a:endParaRPr lang="de-DE" dirty="0"/>
           </a:p>
@@ -1604,7 +1604,7 @@
           <a:p>
             <a:fld id="{8E503865-B35B-4243-A406-A9782D8F15ED}" type="datetime1">
               <a:rPr lang="en-GB" smtClean="0"/>
-              <a:t>27/06/2022</a:t>
+              <a:t>06/02/2023</a:t>
             </a:fld>
             <a:endParaRPr lang="de-DE" dirty="0"/>
           </a:p>
@@ -1650,7 +1650,7 @@
           <a:p>
             <a:fld id="{9E82CC3C-1DC0-4FDA-9590-6CC506AB67F8}" type="slidenum">
               <a:rPr lang="de-DE" smtClean="0"/>
-              <a:t>‹#›</a:t>
+              <a:t>‹Nr.›</a:t>
             </a:fld>
             <a:endParaRPr lang="de-DE" dirty="0"/>
           </a:p>
@@ -1907,7 +1907,7 @@
           <a:p>
             <a:fld id="{5F48619E-C524-47F6-8205-0387BD8B0EC5}" type="datetime1">
               <a:rPr lang="en-GB" smtClean="0"/>
-              <a:t>27/06/2022</a:t>
+              <a:t>06/02/2023</a:t>
             </a:fld>
             <a:endParaRPr lang="de-DE" dirty="0"/>
           </a:p>
@@ -1953,7 +1953,7 @@
           <a:p>
             <a:fld id="{9E82CC3C-1DC0-4FDA-9590-6CC506AB67F8}" type="slidenum">
               <a:rPr lang="de-DE" smtClean="0"/>
-              <a:t>‹#›</a:t>
+              <a:t>‹Nr.›</a:t>
             </a:fld>
             <a:endParaRPr lang="de-DE" dirty="0"/>
           </a:p>
@@ -2219,7 +2219,7 @@
           <a:p>
             <a:fld id="{AB5A7CF5-5297-41A8-BBB4-C9EE907613EE}" type="datetime1">
               <a:rPr lang="en-GB" smtClean="0"/>
-              <a:t>27/06/2022</a:t>
+              <a:t>06/02/2023</a:t>
             </a:fld>
             <a:endParaRPr lang="de-DE" dirty="0"/>
           </a:p>
@@ -2265,7 +2265,7 @@
           <a:p>
             <a:fld id="{9E82CC3C-1DC0-4FDA-9590-6CC506AB67F8}" type="slidenum">
               <a:rPr lang="de-DE" smtClean="0"/>
-              <a:t>‹#›</a:t>
+              <a:t>‹Nr.›</a:t>
             </a:fld>
             <a:endParaRPr lang="de-DE" dirty="0"/>
           </a:p>
@@ -2646,7 +2646,7 @@
           <a:p>
             <a:fld id="{250888B4-E62D-44DC-AED6-3753274E8085}" type="datetime1">
               <a:rPr lang="en-GB" smtClean="0"/>
-              <a:t>27/06/2022</a:t>
+              <a:t>06/02/2023</a:t>
             </a:fld>
             <a:endParaRPr lang="de-DE" dirty="0"/>
           </a:p>
@@ -2693,7 +2693,7 @@
             <a:fld id="{9E82CC3C-1DC0-4FDA-9590-6CC506AB67F8}" type="slidenum">
               <a:rPr lang="de-DE" smtClean="0"/>
               <a:pPr/>
-              <a:t>‹#›</a:t>
+              <a:t>‹Nr.›</a:t>
             </a:fld>
             <a:endParaRPr lang="de-DE" dirty="0"/>
           </a:p>
@@ -3209,7 +3209,7 @@
           <a:p>
             <a:fld id="{19FF7494-88BA-4505-A079-DD0DAFDCE40C}" type="datetime1">
               <a:rPr lang="en-GB" smtClean="0"/>
-              <a:t>27/06/2022</a:t>
+              <a:t>06/02/2023</a:t>
             </a:fld>
             <a:endParaRPr lang="de-DE" dirty="0"/>
           </a:p>
@@ -3256,7 +3256,7 @@
             <a:fld id="{9E82CC3C-1DC0-4FDA-9590-6CC506AB67F8}" type="slidenum">
               <a:rPr lang="de-DE" smtClean="0"/>
               <a:pPr/>
-              <a:t>‹#›</a:t>
+              <a:t>‹Nr.›</a:t>
             </a:fld>
             <a:endParaRPr lang="de-DE" dirty="0"/>
           </a:p>
@@ -3594,7 +3594,7 @@
           <a:p>
             <a:fld id="{00B47180-7AA3-40DB-BE6F-E2611F09D17F}" type="datetime1">
               <a:rPr lang="en-GB" smtClean="0"/>
-              <a:t>27/06/2022</a:t>
+              <a:t>06/02/2023</a:t>
             </a:fld>
             <a:endParaRPr lang="de-DE" dirty="0"/>
           </a:p>
@@ -3641,7 +3641,7 @@
             <a:fld id="{9E82CC3C-1DC0-4FDA-9590-6CC506AB67F8}" type="slidenum">
               <a:rPr lang="de-DE" smtClean="0"/>
               <a:pPr/>
-              <a:t>‹#›</a:t>
+              <a:t>‹Nr.›</a:t>
             </a:fld>
             <a:endParaRPr lang="de-DE" dirty="0"/>
           </a:p>
@@ -4195,7 +4195,7 @@
           <a:p>
             <a:fld id="{DB760A15-FEE6-403E-8B89-A457E4D16669}" type="datetime1">
               <a:rPr lang="en-GB" smtClean="0"/>
-              <a:t>27/06/2022</a:t>
+              <a:t>06/02/2023</a:t>
             </a:fld>
             <a:endParaRPr lang="de-DE" dirty="0"/>
           </a:p>
@@ -4242,7 +4242,7 @@
             <a:fld id="{9E82CC3C-1DC0-4FDA-9590-6CC506AB67F8}" type="slidenum">
               <a:rPr lang="de-DE" smtClean="0"/>
               <a:pPr/>
-              <a:t>‹#›</a:t>
+              <a:t>‹Nr.›</a:t>
             </a:fld>
             <a:endParaRPr lang="de-DE" dirty="0"/>
           </a:p>
@@ -5034,7 +5034,7 @@
           <a:p>
             <a:fld id="{1E9081BD-5472-4BDF-8186-06740117F499}" type="datetime1">
               <a:rPr lang="en-GB" smtClean="0"/>
-              <a:t>27/06/2022</a:t>
+              <a:t>06/02/2023</a:t>
             </a:fld>
             <a:endParaRPr lang="de-DE" dirty="0"/>
           </a:p>
@@ -5081,7 +5081,7 @@
             <a:fld id="{9E82CC3C-1DC0-4FDA-9590-6CC506AB67F8}" type="slidenum">
               <a:rPr lang="de-DE" smtClean="0"/>
               <a:pPr/>
-              <a:t>‹#›</a:t>
+              <a:t>‹Nr.›</a:t>
             </a:fld>
             <a:endParaRPr lang="de-DE" dirty="0"/>
           </a:p>
@@ -6519,7 +6519,7 @@
           <a:p>
             <a:fld id="{D1B93127-1A6E-4983-902B-051FDE5E2C1D}" type="datetime1">
               <a:rPr lang="en-GB" smtClean="0"/>
-              <a:t>27/06/2022</a:t>
+              <a:t>06/02/2023</a:t>
             </a:fld>
             <a:endParaRPr lang="de-DE" dirty="0"/>
           </a:p>
@@ -6565,7 +6565,7 @@
           <a:p>
             <a:fld id="{9E82CC3C-1DC0-4FDA-9590-6CC506AB67F8}" type="slidenum">
               <a:rPr lang="de-DE" smtClean="0"/>
-              <a:t>‹#›</a:t>
+              <a:t>‹Nr.›</a:t>
             </a:fld>
             <a:endParaRPr lang="de-DE" dirty="0"/>
           </a:p>
@@ -6640,7 +6640,7 @@
           <a:p>
             <a:fld id="{A21DA80D-A120-4CCC-8265-575ED579FDF3}" type="datetime1">
               <a:rPr lang="en-GB" smtClean="0"/>
-              <a:t>27/06/2022</a:t>
+              <a:t>06/02/2023</a:t>
             </a:fld>
             <a:endParaRPr lang="de-DE" dirty="0"/>
           </a:p>
@@ -6686,7 +6686,7 @@
           <a:p>
             <a:fld id="{9E82CC3C-1DC0-4FDA-9590-6CC506AB67F8}" type="slidenum">
               <a:rPr lang="de-DE" smtClean="0"/>
-              <a:t>‹#›</a:t>
+              <a:t>‹Nr.›</a:t>
             </a:fld>
             <a:endParaRPr lang="de-DE" dirty="0"/>
           </a:p>
@@ -10007,7 +10007,7 @@
           <a:p>
             <a:fld id="{8B30BE60-6866-43BE-A977-FE272E3FEB5A}" type="datetime1">
               <a:rPr lang="en-GB" smtClean="0"/>
-              <a:t>27/06/2022</a:t>
+              <a:t>06/02/2023</a:t>
             </a:fld>
             <a:endParaRPr lang="de-DE" dirty="0"/>
           </a:p>
@@ -10053,7 +10053,7 @@
           <a:p>
             <a:fld id="{9E82CC3C-1DC0-4FDA-9590-6CC506AB67F8}" type="slidenum">
               <a:rPr lang="de-DE" smtClean="0"/>
-              <a:t>‹#›</a:t>
+              <a:t>‹Nr.›</a:t>
             </a:fld>
             <a:endParaRPr lang="de-DE" dirty="0"/>
           </a:p>
@@ -10190,7 +10190,7 @@
           <a:p>
             <a:fld id="{97884B52-878B-4F88-A36B-0CD058E88CA1}" type="datetime1">
               <a:rPr lang="en-GB" smtClean="0"/>
-              <a:t>27/06/2022</a:t>
+              <a:t>06/02/2023</a:t>
             </a:fld>
             <a:endParaRPr lang="de-DE" dirty="0"/>
           </a:p>
@@ -10236,7 +10236,7 @@
           <a:p>
             <a:fld id="{9E82CC3C-1DC0-4FDA-9590-6CC506AB67F8}" type="slidenum">
               <a:rPr lang="de-DE" smtClean="0"/>
-              <a:t>‹#›</a:t>
+              <a:t>‹Nr.›</a:t>
             </a:fld>
             <a:endParaRPr lang="de-DE" dirty="0"/>
           </a:p>
@@ -11123,7 +11123,7 @@
             <a:fld id="{8B30BE60-6866-43BE-A977-FE272E3FEB5A}" type="datetime1">
               <a:rPr lang="en-GB" smtClean="0"/>
               <a:pPr/>
-              <a:t>27/06/2022</a:t>
+              <a:t>06/02/2023</a:t>
             </a:fld>
             <a:endParaRPr lang="de-DE" dirty="0"/>
           </a:p>
@@ -11208,7 +11208,7 @@
             <a:fld id="{9E82CC3C-1DC0-4FDA-9590-6CC506AB67F8}" type="slidenum">
               <a:rPr lang="de-DE" smtClean="0"/>
               <a:pPr/>
-              <a:t>‹#›</a:t>
+              <a:t>‹Nr.›</a:t>
             </a:fld>
             <a:endParaRPr lang="de-DE" dirty="0"/>
           </a:p>
@@ -11676,7 +11676,7 @@
           <a:p>
             <a:fld id="{DAFF6DC6-D146-472F-ADF2-F09E871FBE71}" type="datetime1">
               <a:rPr lang="en-GB" smtClean="0"/>
-              <a:t>27/06/2022</a:t>
+              <a:t>06/02/2023</a:t>
             </a:fld>
             <a:endParaRPr lang="de-DE" dirty="0"/>
           </a:p>
@@ -11722,7 +11722,7 @@
           <a:p>
             <a:fld id="{9E82CC3C-1DC0-4FDA-9590-6CC506AB67F8}" type="slidenum">
               <a:rPr lang="de-DE" smtClean="0"/>
-              <a:t>‹#›</a:t>
+              <a:t>‹Nr.›</a:t>
             </a:fld>
             <a:endParaRPr lang="de-DE" dirty="0"/>
           </a:p>
@@ -12276,7 +12276,7 @@
           <a:p>
             <a:fld id="{644405A6-A24C-4991-9FBB-01232160A38C}" type="datetime1">
               <a:rPr lang="en-GB" smtClean="0"/>
-              <a:t>27/06/2022</a:t>
+              <a:t>06/02/2023</a:t>
             </a:fld>
             <a:endParaRPr lang="en-US" dirty="0"/>
           </a:p>
@@ -12359,7 +12359,7 @@
             <a:fld id="{9E82CC3C-1DC0-4FDA-9590-6CC506AB67F8}" type="slidenum">
               <a:rPr lang="en-US" smtClean="0"/>
               <a:pPr/>
-              <a:t>‹#›</a:t>
+              <a:t>‹Nr.›</a:t>
             </a:fld>
             <a:endParaRPr lang="en-US" dirty="0"/>
           </a:p>
@@ -12897,16 +12897,21 @@
             </a:r>
             <a:r>
               <a:rPr lang="de-DE" sz="1200" dirty="0"/>
-              <a:t> on </a:t>
+              <a:t> </a:t>
             </a:r>
             <a:r>
               <a:rPr lang="de-DE" sz="1200"/>
-              <a:t>September 30th, </a:t>
+              <a:t>on March </a:t>
             </a:r>
             <a:r>
               <a:rPr lang="de-DE" sz="1200" dirty="0"/>
-              <a:t>2022</a:t>
-            </a:r>
+              <a:t>16th</a:t>
+            </a:r>
+            <a:r>
+              <a:rPr lang="de-DE" sz="1200"/>
+              <a:t>, 2023</a:t>
+            </a:r>
+            <a:endParaRPr lang="de-DE" sz="1200" dirty="0"/>
           </a:p>
         </p:txBody>
       </p:sp>
@@ -14074,7 +14079,27 @@
           <a:p>
             <a:r>
               <a:rPr lang="de-DE" dirty="0"/>
-              <a:t>Gamze Şevik (geb. Uysal)</a:t>
+              <a:t>Gamze </a:t>
+            </a:r>
+            <a:r>
+              <a:rPr lang="de-DE" dirty="0" err="1"/>
+              <a:t>Şevik</a:t>
+            </a:r>
+            <a:r>
+              <a:rPr lang="de-DE" dirty="0"/>
+              <a:t> (</a:t>
+            </a:r>
+            <a:r>
+              <a:rPr lang="de-DE" dirty="0" err="1"/>
+              <a:t>née</a:t>
+            </a:r>
+            <a:r>
+              <a:rPr lang="de-DE"/>
+              <a:t> Uysal</a:t>
+            </a:r>
+            <a:r>
+              <a:rPr lang="de-DE" dirty="0"/>
+              <a:t>)</a:t>
             </a:r>
           </a:p>
           <a:p>
